--- a/water quality monitoring system using iot.pptx
+++ b/water quality monitoring system using iot.pptx
@@ -6255,17 +6255,13 @@
             </a:r>
             <a:r>
               <a:rPr lang="en-US" sz="2800"/>
-              <a:t>QUALITY </a:t>
-            </a:r>
-            <a:r>
-              <a:rPr lang="en-US" sz="2800" smtClean="0"/>
-              <a:t>MONITORING</a:t>
+              <a:t>QUALITY MONITORING</a:t>
             </a:r>
             <a:br>
-              <a:rPr lang="en-US" sz="2800" smtClean="0"/>
+              <a:rPr lang="en-US" sz="2800"/>
             </a:br>
             <a:r>
-              <a:rPr lang="en-US" sz="2800" smtClean="0"/>
+              <a:rPr lang="en-US" sz="2800"/>
               <a:t>SYSTEM  USING IOT</a:t>
             </a:r>
             <a:endParaRPr sz="2800" dirty="0"/>
